--- a/Lessons/Lesson03/CrossLesson_gitbash_basemip.pptx
+++ b/Lessons/Lesson03/CrossLesson_gitbash_basemip.pptx
@@ -266,7 +266,7 @@
           <a:p>
             <a:fld id="{EA72E7BD-C1BB-46F1-B277-8AE99D5C93A3}" type="datetimeFigureOut">
               <a:rPr lang="en-US" smtClean="0"/>
-              <a:t>7/5/2022</a:t>
+              <a:t>7/6/2022</a:t>
             </a:fld>
             <a:endParaRPr lang="en-US"/>
           </a:p>
@@ -464,7 +464,7 @@
           <a:p>
             <a:fld id="{EA72E7BD-C1BB-46F1-B277-8AE99D5C93A3}" type="datetimeFigureOut">
               <a:rPr lang="en-US" smtClean="0"/>
-              <a:t>7/5/2022</a:t>
+              <a:t>7/6/2022</a:t>
             </a:fld>
             <a:endParaRPr lang="en-US"/>
           </a:p>
@@ -672,7 +672,7 @@
           <a:p>
             <a:fld id="{EA72E7BD-C1BB-46F1-B277-8AE99D5C93A3}" type="datetimeFigureOut">
               <a:rPr lang="en-US" smtClean="0"/>
-              <a:t>7/5/2022</a:t>
+              <a:t>7/6/2022</a:t>
             </a:fld>
             <a:endParaRPr lang="en-US"/>
           </a:p>
@@ -870,7 +870,7 @@
           <a:p>
             <a:fld id="{EA72E7BD-C1BB-46F1-B277-8AE99D5C93A3}" type="datetimeFigureOut">
               <a:rPr lang="en-US" smtClean="0"/>
-              <a:t>7/5/2022</a:t>
+              <a:t>7/6/2022</a:t>
             </a:fld>
             <a:endParaRPr lang="en-US"/>
           </a:p>
@@ -1145,7 +1145,7 @@
           <a:p>
             <a:fld id="{EA72E7BD-C1BB-46F1-B277-8AE99D5C93A3}" type="datetimeFigureOut">
               <a:rPr lang="en-US" smtClean="0"/>
-              <a:t>7/5/2022</a:t>
+              <a:t>7/6/2022</a:t>
             </a:fld>
             <a:endParaRPr lang="en-US"/>
           </a:p>
@@ -1410,7 +1410,7 @@
           <a:p>
             <a:fld id="{EA72E7BD-C1BB-46F1-B277-8AE99D5C93A3}" type="datetimeFigureOut">
               <a:rPr lang="en-US" smtClean="0"/>
-              <a:t>7/5/2022</a:t>
+              <a:t>7/6/2022</a:t>
             </a:fld>
             <a:endParaRPr lang="en-US"/>
           </a:p>
@@ -1822,7 +1822,7 @@
           <a:p>
             <a:fld id="{EA72E7BD-C1BB-46F1-B277-8AE99D5C93A3}" type="datetimeFigureOut">
               <a:rPr lang="en-US" smtClean="0"/>
-              <a:t>7/5/2022</a:t>
+              <a:t>7/6/2022</a:t>
             </a:fld>
             <a:endParaRPr lang="en-US"/>
           </a:p>
@@ -1963,7 +1963,7 @@
           <a:p>
             <a:fld id="{EA72E7BD-C1BB-46F1-B277-8AE99D5C93A3}" type="datetimeFigureOut">
               <a:rPr lang="en-US" smtClean="0"/>
-              <a:t>7/5/2022</a:t>
+              <a:t>7/6/2022</a:t>
             </a:fld>
             <a:endParaRPr lang="en-US"/>
           </a:p>
@@ -2076,7 +2076,7 @@
           <a:p>
             <a:fld id="{EA72E7BD-C1BB-46F1-B277-8AE99D5C93A3}" type="datetimeFigureOut">
               <a:rPr lang="en-US" smtClean="0"/>
-              <a:t>7/5/2022</a:t>
+              <a:t>7/6/2022</a:t>
             </a:fld>
             <a:endParaRPr lang="en-US"/>
           </a:p>
@@ -2387,7 +2387,7 @@
           <a:p>
             <a:fld id="{EA72E7BD-C1BB-46F1-B277-8AE99D5C93A3}" type="datetimeFigureOut">
               <a:rPr lang="en-US" smtClean="0"/>
-              <a:t>7/5/2022</a:t>
+              <a:t>7/6/2022</a:t>
             </a:fld>
             <a:endParaRPr lang="en-US"/>
           </a:p>
@@ -2675,7 +2675,7 @@
           <a:p>
             <a:fld id="{EA72E7BD-C1BB-46F1-B277-8AE99D5C93A3}" type="datetimeFigureOut">
               <a:rPr lang="en-US" smtClean="0"/>
-              <a:t>7/5/2022</a:t>
+              <a:t>7/6/2022</a:t>
             </a:fld>
             <a:endParaRPr lang="en-US"/>
           </a:p>
@@ -2916,7 +2916,7 @@
           <a:p>
             <a:fld id="{EA72E7BD-C1BB-46F1-B277-8AE99D5C93A3}" type="datetimeFigureOut">
               <a:rPr lang="en-US" smtClean="0"/>
-              <a:t>7/5/2022</a:t>
+              <a:t>7/6/2022</a:t>
             </a:fld>
             <a:endParaRPr lang="en-US"/>
           </a:p>
@@ -3568,7 +3568,7 @@
         <p:spPr>
           <a:xfrm>
             <a:off x="990601" y="1632873"/>
-            <a:ext cx="10024240" cy="1200329"/>
+            <a:ext cx="10024240" cy="2308324"/>
           </a:xfrm>
           <a:prstGeom prst="rect">
             <a:avLst/>
@@ -3582,36 +3582,83 @@
           <a:lstStyle/>
           <a:p>
             <a:r>
-              <a:rPr lang="en-US" b="0" i="0" dirty="0">
+              <a:rPr lang="en-US" altLang="zh-CN" b="0" i="0" dirty="0">
                 <a:solidFill>
                   <a:srgbClr val="444444"/>
                 </a:solidFill>
                 <a:effectLst/>
                 <a:latin typeface="Roboto" panose="02000000000000000000" pitchFamily="2" charset="0"/>
               </a:rPr>
-              <a:t>Git Bash is an application for Microsoft Windows environments which provides an emulation layer for a Git command line experience. Bash is an acronym for </a:t>
-            </a:r>
-            <a:r>
-              <a:rPr lang="en-US" b="0" i="0" dirty="0" err="1">
+              <a:t>First things first: </a:t>
+            </a:r>
+          </a:p>
+          <a:p>
+            <a:r>
+              <a:rPr lang="en-US" dirty="0">
                 <a:solidFill>
                   <a:srgbClr val="444444"/>
                 </a:solidFill>
-                <a:effectLst/>
                 <a:latin typeface="Roboto" panose="02000000000000000000" pitchFamily="2" charset="0"/>
               </a:rPr>
-              <a:t>Bourne</a:t>
-            </a:r>
-            <a:r>
-              <a:rPr lang="en-US" b="0" i="0" dirty="0">
+              <a:t>Pull today’s materials</a:t>
+            </a:r>
+          </a:p>
+          <a:p>
+            <a:endParaRPr lang="en-US" dirty="0">
+              <a:solidFill>
+                <a:srgbClr val="444444"/>
+              </a:solidFill>
+              <a:latin typeface="Roboto" panose="02000000000000000000" pitchFamily="2" charset="0"/>
+            </a:endParaRPr>
+          </a:p>
+          <a:p>
+            <a:endParaRPr lang="en-US" dirty="0">
+              <a:solidFill>
+                <a:srgbClr val="444444"/>
+              </a:solidFill>
+              <a:latin typeface="Roboto" panose="02000000000000000000" pitchFamily="2" charset="0"/>
+            </a:endParaRPr>
+          </a:p>
+          <a:p>
+            <a:endParaRPr lang="en-US" dirty="0">
+              <a:solidFill>
+                <a:srgbClr val="444444"/>
+              </a:solidFill>
+              <a:latin typeface="Roboto" panose="02000000000000000000" pitchFamily="2" charset="0"/>
+            </a:endParaRPr>
+          </a:p>
+          <a:p>
+            <a:r>
+              <a:rPr lang="en-US" dirty="0">
                 <a:solidFill>
                   <a:srgbClr val="444444"/>
                 </a:solidFill>
-                <a:effectLst/>
                 <a:latin typeface="Roboto" panose="02000000000000000000" pitchFamily="2" charset="0"/>
               </a:rPr>
-              <a:t> Again Shell. A shell is a terminal application used to interface with an operating system through written commands. Bash is a popular default shell on Linux and macOS.</a:t>
-            </a:r>
-            <a:endParaRPr lang="en-US" dirty="0"/>
+              <a:t>git branch –a</a:t>
+            </a:r>
+          </a:p>
+          <a:p>
+            <a:r>
+              <a:rPr lang="en-US" dirty="0">
+                <a:solidFill>
+                  <a:srgbClr val="444444"/>
+                </a:solidFill>
+                <a:latin typeface="Roboto" panose="02000000000000000000" pitchFamily="2" charset="0"/>
+              </a:rPr>
+              <a:t>Git pull –all </a:t>
+            </a:r>
+          </a:p>
+          <a:p>
+            <a:r>
+              <a:rPr lang="en-US" dirty="0">
+                <a:solidFill>
+                  <a:srgbClr val="444444"/>
+                </a:solidFill>
+                <a:latin typeface="Roboto" panose="02000000000000000000" pitchFamily="2" charset="0"/>
+              </a:rPr>
+              <a:t>Git checkout –b lesson3 origin/</a:t>
+            </a:r>
           </a:p>
         </p:txBody>
       </p:sp>
@@ -5300,7 +5347,7 @@
         </p:blipFill>
         <p:spPr>
           <a:xfrm rot="21348418">
-            <a:off x="1675691" y="303703"/>
+            <a:off x="929456" y="387785"/>
             <a:ext cx="2715123" cy="197464"/>
           </a:xfrm>
           <a:prstGeom prst="rect">
@@ -5401,7 +5448,7 @@
         <p:spPr>
           <a:xfrm>
             <a:off x="819807" y="603610"/>
-            <a:ext cx="6096000" cy="2862322"/>
+            <a:ext cx="10972800" cy="3693319"/>
           </a:xfrm>
           <a:prstGeom prst="rect">
             <a:avLst/>
@@ -5504,6 +5551,122 @@
               </a:rPr>
               <a:t>3. Command to checkout a remote branch</a:t>
             </a:r>
+          </a:p>
+          <a:p>
+            <a:endParaRPr lang="en-US" dirty="0">
+              <a:solidFill>
+                <a:srgbClr val="0A0A23"/>
+              </a:solidFill>
+              <a:latin typeface="Lato" panose="020F0502020204030203" pitchFamily="34" charset="0"/>
+            </a:endParaRPr>
+          </a:p>
+          <a:p>
+            <a:endParaRPr lang="en-US" sz="1800" i="0" dirty="0">
+              <a:solidFill>
+                <a:srgbClr val="0A0A23"/>
+              </a:solidFill>
+              <a:effectLst/>
+              <a:latin typeface="Lato" panose="020F0502020204030203" pitchFamily="34" charset="0"/>
+            </a:endParaRPr>
+          </a:p>
+          <a:p>
+            <a:r>
+              <a:rPr lang="en-US" sz="1800" i="0" dirty="0">
+                <a:solidFill>
+                  <a:srgbClr val="0A0A23"/>
+                </a:solidFill>
+                <a:effectLst/>
+                <a:latin typeface="Lato" panose="020F0502020204030203" pitchFamily="34" charset="0"/>
+              </a:rPr>
+              <a:t>Git</a:t>
+            </a:r>
+            <a:r>
+              <a:rPr lang="zh-CN" altLang="en-US" sz="1800" i="0" dirty="0">
+                <a:solidFill>
+                  <a:srgbClr val="0A0A23"/>
+                </a:solidFill>
+                <a:effectLst/>
+                <a:latin typeface="Lato" panose="020F0502020204030203" pitchFamily="34" charset="0"/>
+              </a:rPr>
+              <a:t> </a:t>
+            </a:r>
+            <a:r>
+              <a:rPr lang="en-US" altLang="zh-CN" sz="1800" i="0" dirty="0">
+                <a:solidFill>
+                  <a:srgbClr val="0A0A23"/>
+                </a:solidFill>
+                <a:effectLst/>
+                <a:latin typeface="Lato" panose="020F0502020204030203" pitchFamily="34" charset="0"/>
+              </a:rPr>
+              <a:t>checkout</a:t>
+            </a:r>
+            <a:r>
+              <a:rPr lang="zh-CN" altLang="en-US" sz="1800" i="0" dirty="0">
+                <a:solidFill>
+                  <a:srgbClr val="0A0A23"/>
+                </a:solidFill>
+                <a:effectLst/>
+                <a:latin typeface="Lato" panose="020F0502020204030203" pitchFamily="34" charset="0"/>
+              </a:rPr>
+              <a:t> </a:t>
+            </a:r>
+            <a:r>
+              <a:rPr lang="en-US" altLang="zh-CN" sz="1800" i="0" dirty="0">
+                <a:solidFill>
+                  <a:srgbClr val="0A0A23"/>
+                </a:solidFill>
+                <a:effectLst/>
+                <a:latin typeface="Lato" panose="020F0502020204030203" pitchFamily="34" charset="0"/>
+              </a:rPr>
+              <a:t>–b</a:t>
+            </a:r>
+            <a:r>
+              <a:rPr lang="zh-CN" altLang="en-US" sz="1800" i="0" dirty="0">
+                <a:solidFill>
+                  <a:srgbClr val="0A0A23"/>
+                </a:solidFill>
+                <a:effectLst/>
+                <a:latin typeface="Lato" panose="020F0502020204030203" pitchFamily="34" charset="0"/>
+              </a:rPr>
+              <a:t>  </a:t>
+            </a:r>
+            <a:r>
+              <a:rPr lang="en-US" altLang="zh-CN" sz="1800" i="0" dirty="0">
+                <a:solidFill>
+                  <a:srgbClr val="0A0A23"/>
+                </a:solidFill>
+                <a:effectLst/>
+                <a:latin typeface="Lato" panose="020F0502020204030203" pitchFamily="34" charset="0"/>
+              </a:rPr>
+              <a:t>ds03</a:t>
+            </a:r>
+            <a:r>
+              <a:rPr lang="zh-CN" altLang="en-US" sz="1800" i="0" dirty="0">
+                <a:solidFill>
+                  <a:srgbClr val="0A0A23"/>
+                </a:solidFill>
+                <a:effectLst/>
+                <a:latin typeface="Lato" panose="020F0502020204030203" pitchFamily="34" charset="0"/>
+              </a:rPr>
+              <a:t>  </a:t>
+            </a:r>
+            <a:r>
+              <a:rPr lang="en-US" altLang="zh-CN" sz="1800" i="0" dirty="0">
+                <a:solidFill>
+                  <a:srgbClr val="0A0A23"/>
+                </a:solidFill>
+                <a:effectLst/>
+                <a:latin typeface="Lato" panose="020F0502020204030203" pitchFamily="34" charset="0"/>
+              </a:rPr>
+              <a:t>origin/Lessons</a:t>
+            </a:r>
+            <a:endParaRPr lang="en-US" sz="1800" i="0" dirty="0">
+              <a:solidFill>
+                <a:srgbClr val="0A0A23"/>
+              </a:solidFill>
+              <a:effectLst/>
+              <a:latin typeface="Lato" panose="020F0502020204030203" pitchFamily="34" charset="0"/>
+            </a:endParaRPr>
           </a:p>
           <a:p>
             <a:endParaRPr lang="en-US" sz="1800" i="0" dirty="0">
